--- a/xxxxx005_RPC/351_RPC_LocalFunctionCall_Sequence.pptx
+++ b/xxxxx005_RPC/351_RPC_LocalFunctionCall_Sequence.pptx
@@ -222,7 +222,7 @@
           <a:p>
             <a:fld id="{8A4CF053-040B-44B7-89E9-8CB547445B7F}" type="datetimeFigureOut">
               <a:rPr kumimoji="1" lang="ja-JP" altLang="en-US" smtClean="0"/>
-              <a:t>2023/2/24</a:t>
+              <a:t>2023/6/1</a:t>
             </a:fld>
             <a:endParaRPr kumimoji="1" lang="ja-JP" altLang="en-US"/>
           </a:p>
@@ -752,7 +752,7 @@
           <a:p>
             <a:fld id="{450CE236-8E69-46A3-A89B-50E3FB1BE869}" type="datetimeFigureOut">
               <a:rPr kumimoji="1" lang="ja-JP" altLang="en-US" smtClean="0"/>
-              <a:t>2023/2/24</a:t>
+              <a:t>2023/6/1</a:t>
             </a:fld>
             <a:endParaRPr kumimoji="1" lang="ja-JP" altLang="en-US"/>
           </a:p>
@@ -982,7 +982,7 @@
           <a:p>
             <a:fld id="{450CE236-8E69-46A3-A89B-50E3FB1BE869}" type="datetimeFigureOut">
               <a:rPr kumimoji="1" lang="ja-JP" altLang="en-US" smtClean="0"/>
-              <a:t>2023/2/24</a:t>
+              <a:t>2023/6/1</a:t>
             </a:fld>
             <a:endParaRPr kumimoji="1" lang="ja-JP" altLang="en-US"/>
           </a:p>
@@ -1222,7 +1222,7 @@
           <a:p>
             <a:fld id="{450CE236-8E69-46A3-A89B-50E3FB1BE869}" type="datetimeFigureOut">
               <a:rPr kumimoji="1" lang="ja-JP" altLang="en-US" smtClean="0"/>
-              <a:t>2023/2/24</a:t>
+              <a:t>2023/6/1</a:t>
             </a:fld>
             <a:endParaRPr kumimoji="1" lang="ja-JP" altLang="en-US"/>
           </a:p>
@@ -1452,7 +1452,7 @@
           <a:p>
             <a:fld id="{450CE236-8E69-46A3-A89B-50E3FB1BE869}" type="datetimeFigureOut">
               <a:rPr kumimoji="1" lang="ja-JP" altLang="en-US" smtClean="0"/>
-              <a:t>2023/2/24</a:t>
+              <a:t>2023/6/1</a:t>
             </a:fld>
             <a:endParaRPr kumimoji="1" lang="ja-JP" altLang="en-US"/>
           </a:p>
@@ -1727,7 +1727,7 @@
           <a:p>
             <a:fld id="{450CE236-8E69-46A3-A89B-50E3FB1BE869}" type="datetimeFigureOut">
               <a:rPr kumimoji="1" lang="ja-JP" altLang="en-US" smtClean="0"/>
-              <a:t>2023/2/24</a:t>
+              <a:t>2023/6/1</a:t>
             </a:fld>
             <a:endParaRPr kumimoji="1" lang="ja-JP" altLang="en-US"/>
           </a:p>
@@ -2056,7 +2056,7 @@
           <a:p>
             <a:fld id="{450CE236-8E69-46A3-A89B-50E3FB1BE869}" type="datetimeFigureOut">
               <a:rPr kumimoji="1" lang="ja-JP" altLang="en-US" smtClean="0"/>
-              <a:t>2023/2/24</a:t>
+              <a:t>2023/6/1</a:t>
             </a:fld>
             <a:endParaRPr kumimoji="1" lang="ja-JP" altLang="en-US"/>
           </a:p>
@@ -2532,7 +2532,7 @@
           <a:p>
             <a:fld id="{450CE236-8E69-46A3-A89B-50E3FB1BE869}" type="datetimeFigureOut">
               <a:rPr kumimoji="1" lang="ja-JP" altLang="en-US" smtClean="0"/>
-              <a:t>2023/2/24</a:t>
+              <a:t>2023/6/1</a:t>
             </a:fld>
             <a:endParaRPr kumimoji="1" lang="ja-JP" altLang="en-US"/>
           </a:p>
@@ -2673,7 +2673,7 @@
           <a:p>
             <a:fld id="{450CE236-8E69-46A3-A89B-50E3FB1BE869}" type="datetimeFigureOut">
               <a:rPr kumimoji="1" lang="ja-JP" altLang="en-US" smtClean="0"/>
-              <a:t>2023/2/24</a:t>
+              <a:t>2023/6/1</a:t>
             </a:fld>
             <a:endParaRPr kumimoji="1" lang="ja-JP" altLang="en-US"/>
           </a:p>
@@ -2786,7 +2786,7 @@
           <a:p>
             <a:fld id="{450CE236-8E69-46A3-A89B-50E3FB1BE869}" type="datetimeFigureOut">
               <a:rPr kumimoji="1" lang="ja-JP" altLang="en-US" smtClean="0"/>
-              <a:t>2023/2/24</a:t>
+              <a:t>2023/6/1</a:t>
             </a:fld>
             <a:endParaRPr kumimoji="1" lang="ja-JP" altLang="en-US"/>
           </a:p>
@@ -3129,7 +3129,7 @@
           <a:p>
             <a:fld id="{450CE236-8E69-46A3-A89B-50E3FB1BE869}" type="datetimeFigureOut">
               <a:rPr kumimoji="1" lang="ja-JP" altLang="en-US" smtClean="0"/>
-              <a:t>2023/2/24</a:t>
+              <a:t>2023/6/1</a:t>
             </a:fld>
             <a:endParaRPr kumimoji="1" lang="ja-JP" altLang="en-US"/>
           </a:p>
@@ -3417,7 +3417,7 @@
           <a:p>
             <a:fld id="{450CE236-8E69-46A3-A89B-50E3FB1BE869}" type="datetimeFigureOut">
               <a:rPr kumimoji="1" lang="ja-JP" altLang="en-US" smtClean="0"/>
-              <a:t>2023/2/24</a:t>
+              <a:t>2023/6/1</a:t>
             </a:fld>
             <a:endParaRPr kumimoji="1" lang="ja-JP" altLang="en-US"/>
           </a:p>
@@ -3690,7 +3690,7 @@
           <a:p>
             <a:fld id="{450CE236-8E69-46A3-A89B-50E3FB1BE869}" type="datetimeFigureOut">
               <a:rPr kumimoji="1" lang="ja-JP" altLang="en-US" smtClean="0"/>
-              <a:t>2023/2/24</a:t>
+              <a:t>2023/6/1</a:t>
             </a:fld>
             <a:endParaRPr kumimoji="1" lang="ja-JP" altLang="en-US"/>
           </a:p>
@@ -6855,6 +6855,207 @@
               <a:t>通信</a:t>
             </a:r>
             <a:endParaRPr kumimoji="1" lang="ja-JP" altLang="en-US" sz="800" dirty="0"/>
+          </a:p>
+        </p:txBody>
+      </p:sp>
+      <p:sp>
+        <p:nvSpPr>
+          <p:cNvPr id="4" name="テキスト ボックス 3">
+            <a:extLst>
+              <a:ext uri="{FF2B5EF4-FFF2-40B4-BE49-F238E27FC236}">
+                <a16:creationId xmlns:a16="http://schemas.microsoft.com/office/drawing/2014/main" id="{E29A34AB-5257-130B-7D2C-5E53C1DB4E2F}"/>
+              </a:ext>
+            </a:extLst>
+          </p:cNvPr>
+          <p:cNvSpPr txBox="1"/>
+          <p:nvPr/>
+        </p:nvSpPr>
+        <p:spPr>
+          <a:xfrm>
+            <a:off x="407284" y="4172053"/>
+            <a:ext cx="3284874" cy="215444"/>
+          </a:xfrm>
+          <a:prstGeom prst="rect">
+            <a:avLst/>
+          </a:prstGeom>
+          <a:noFill/>
+        </p:spPr>
+        <p:txBody>
+          <a:bodyPr wrap="none" rtlCol="0">
+            <a:spAutoFit/>
+          </a:bodyPr>
+          <a:lstStyle/>
+          <a:p>
+            <a:pPr algn="ctr"/>
+            <a:r>
+              <a:rPr lang="en-US" altLang="ja-JP" sz="800" b="0" i="0" u="none" strike="noStrike" dirty="0">
+                <a:solidFill>
+                  <a:schemeClr val="bg1">
+                    <a:lumMod val="65000"/>
+                  </a:schemeClr>
+                </a:solidFill>
+                <a:effectLst/>
+                <a:latin typeface="游ゴシック" panose="020B0400000000000000" pitchFamily="50" charset="-128"/>
+                <a:ea typeface="游ゴシック" panose="020B0400000000000000" pitchFamily="50" charset="-128"/>
+              </a:rPr>
+              <a:t>“</a:t>
+            </a:r>
+            <a:r>
+              <a:rPr lang="ja-JP" altLang="en-US" sz="800" b="0" i="0" u="none" strike="noStrike" dirty="0">
+                <a:solidFill>
+                  <a:schemeClr val="bg1">
+                    <a:lumMod val="65000"/>
+                  </a:schemeClr>
+                </a:solidFill>
+                <a:effectLst/>
+                <a:latin typeface="游ゴシック" panose="020B0400000000000000" pitchFamily="50" charset="-128"/>
+                <a:ea typeface="游ゴシック" panose="020B0400000000000000" pitchFamily="50" charset="-128"/>
+              </a:rPr>
+              <a:t>関数呼び出しの流れ</a:t>
+            </a:r>
+            <a:r>
+              <a:rPr lang="en-US" altLang="ja-JP" sz="800" b="0" i="0" u="none" strike="noStrike" dirty="0">
+                <a:solidFill>
+                  <a:schemeClr val="bg1">
+                    <a:lumMod val="65000"/>
+                  </a:schemeClr>
+                </a:solidFill>
+                <a:effectLst/>
+                <a:latin typeface="游ゴシック" panose="020B0400000000000000" pitchFamily="50" charset="-128"/>
+                <a:ea typeface="游ゴシック" panose="020B0400000000000000" pitchFamily="50" charset="-128"/>
+              </a:rPr>
+              <a:t>" by Yamaoka is licensed under CC BY 2.0</a:t>
+            </a:r>
+            <a:r>
+              <a:rPr lang="en-US" altLang="ja-JP" sz="800" b="0" i="0" u="none" strike="noStrike" dirty="0">
+                <a:solidFill>
+                  <a:schemeClr val="bg1">
+                    <a:lumMod val="65000"/>
+                  </a:schemeClr>
+                </a:solidFill>
+                <a:effectLst/>
+                <a:latin typeface="Tahoma" panose="020B0604030504040204" pitchFamily="34" charset="0"/>
+                <a:ea typeface="游ゴシック" panose="020B0400000000000000" pitchFamily="50" charset="-128"/>
+              </a:rPr>
+              <a:t>﻿</a:t>
+            </a:r>
+            <a:r>
+              <a:rPr lang="en-US" altLang="ja-JP" sz="800" dirty="0">
+                <a:solidFill>
+                  <a:schemeClr val="bg1">
+                    <a:lumMod val="65000"/>
+                  </a:schemeClr>
+                </a:solidFill>
+              </a:rPr>
+              <a:t> </a:t>
+            </a:r>
+            <a:endParaRPr kumimoji="1" lang="ja-JP" altLang="en-US" sz="800" dirty="0">
+              <a:solidFill>
+                <a:schemeClr val="bg1">
+                  <a:lumMod val="65000"/>
+                </a:schemeClr>
+              </a:solidFill>
+            </a:endParaRPr>
+          </a:p>
+        </p:txBody>
+      </p:sp>
+      <p:sp>
+        <p:nvSpPr>
+          <p:cNvPr id="7" name="テキスト ボックス 6">
+            <a:extLst>
+              <a:ext uri="{FF2B5EF4-FFF2-40B4-BE49-F238E27FC236}">
+                <a16:creationId xmlns:a16="http://schemas.microsoft.com/office/drawing/2014/main" id="{CF9084A6-3C50-E7BF-913C-2AC0B14A69D7}"/>
+              </a:ext>
+            </a:extLst>
+          </p:cNvPr>
+          <p:cNvSpPr txBox="1"/>
+          <p:nvPr/>
+        </p:nvSpPr>
+        <p:spPr>
+          <a:xfrm>
+            <a:off x="7574324" y="5561356"/>
+            <a:ext cx="3201517" cy="215444"/>
+          </a:xfrm>
+          <a:prstGeom prst="rect">
+            <a:avLst/>
+          </a:prstGeom>
+          <a:noFill/>
+        </p:spPr>
+        <p:txBody>
+          <a:bodyPr wrap="none" rtlCol="0">
+            <a:spAutoFit/>
+          </a:bodyPr>
+          <a:lstStyle/>
+          <a:p>
+            <a:r>
+              <a:rPr lang="en-US" altLang="ja-JP" sz="800" b="0" i="0" u="none" strike="noStrike" dirty="0">
+                <a:solidFill>
+                  <a:schemeClr val="bg1">
+                    <a:lumMod val="65000"/>
+                  </a:schemeClr>
+                </a:solidFill>
+                <a:effectLst/>
+                <a:latin typeface="游ゴシック" panose="020B0400000000000000" pitchFamily="50" charset="-128"/>
+                <a:ea typeface="游ゴシック" panose="020B0400000000000000" pitchFamily="50" charset="-128"/>
+              </a:rPr>
+              <a:t>“RPC </a:t>
+            </a:r>
+            <a:r>
+              <a:rPr lang="ja-JP" altLang="en-US" sz="800" b="0" i="0" u="none" strike="noStrike" dirty="0">
+                <a:solidFill>
+                  <a:schemeClr val="bg1">
+                    <a:lumMod val="65000"/>
+                  </a:schemeClr>
+                </a:solidFill>
+                <a:effectLst/>
+                <a:latin typeface="游ゴシック" panose="020B0400000000000000" pitchFamily="50" charset="-128"/>
+                <a:ea typeface="游ゴシック" panose="020B0400000000000000" pitchFamily="50" charset="-128"/>
+              </a:rPr>
+              <a:t>呼び出しの流れ</a:t>
+            </a:r>
+            <a:r>
+              <a:rPr lang="en-US" altLang="ja-JP" sz="800" b="0" i="0" u="none" strike="noStrike" dirty="0">
+                <a:solidFill>
+                  <a:schemeClr val="bg1">
+                    <a:lumMod val="65000"/>
+                  </a:schemeClr>
+                </a:solidFill>
+                <a:effectLst/>
+                <a:latin typeface="游ゴシック" panose="020B0400000000000000" pitchFamily="50" charset="-128"/>
+                <a:ea typeface="游ゴシック" panose="020B0400000000000000" pitchFamily="50" charset="-128"/>
+              </a:rPr>
+              <a:t>" by Yamaoka is licensed under CC BY 2.0</a:t>
+            </a:r>
+            <a:r>
+              <a:rPr lang="en-US" altLang="ja-JP" sz="800" b="0" i="0" u="none" strike="noStrike" dirty="0">
+                <a:solidFill>
+                  <a:schemeClr val="bg1">
+                    <a:lumMod val="65000"/>
+                  </a:schemeClr>
+                </a:solidFill>
+                <a:effectLst/>
+                <a:latin typeface="Tahoma" panose="020B0604030504040204" pitchFamily="34" charset="0"/>
+                <a:ea typeface="游ゴシック" panose="020B0400000000000000" pitchFamily="50" charset="-128"/>
+              </a:rPr>
+              <a:t>﻿</a:t>
+            </a:r>
+            <a:r>
+              <a:rPr lang="en-US" altLang="ja-JP" sz="800" dirty="0">
+                <a:solidFill>
+                  <a:schemeClr val="bg1">
+                    <a:lumMod val="65000"/>
+                  </a:schemeClr>
+                </a:solidFill>
+              </a:rPr>
+              <a:t> </a:t>
+            </a:r>
+            <a:endParaRPr kumimoji="1" lang="ja-JP" altLang="en-US" sz="800" dirty="0">
+              <a:solidFill>
+                <a:schemeClr val="bg1">
+                  <a:lumMod val="65000"/>
+                </a:schemeClr>
+              </a:solidFill>
+            </a:endParaRPr>
           </a:p>
         </p:txBody>
       </p:sp>
